--- a/cours3.pptx
+++ b/cours3.pptx
@@ -5,14 +5,13 @@
     <p:sldMasterId id="2147483673" r:id="rId1"/>
   </p:sldMasterIdLst>
   <p:notesMasterIdLst>
-    <p:notesMasterId r:id="rId7"/>
+    <p:notesMasterId r:id="rId6"/>
   </p:notesMasterIdLst>
   <p:sldIdLst>
     <p:sldId id="262" r:id="rId2"/>
     <p:sldId id="263" r:id="rId3"/>
     <p:sldId id="264" r:id="rId4"/>
     <p:sldId id="266" r:id="rId5"/>
-    <p:sldId id="265" r:id="rId6"/>
   </p:sldIdLst>
   <p:sldSz cx="9144000" cy="6858000" type="screen4x3"/>
   <p:notesSz cx="6858000" cy="9144000"/>
@@ -201,7 +200,7 @@
           <a:p>
             <a:fld id="{F5549D3F-BB68-4DB2-ADF1-91AD81BE0C5A}" type="datetimeFigureOut">
               <a:rPr lang="fr-FR" smtClean="0"/>
-              <a:t>26/09/2022</a:t>
+              <a:t>27/09/2022</a:t>
             </a:fld>
             <a:endParaRPr lang="fr-FR"/>
           </a:p>
@@ -719,7 +718,7 @@
             </a:pPr>
             <a:fld id="{870BBE49-FCCB-4A90-A45C-67088542EE9F}" type="datetime1">
               <a:rPr lang="fr-FR" smtClean="0"/>
-              <a:t>26/09/2022</a:t>
+              <a:t>27/09/2022</a:t>
             </a:fld>
             <a:endParaRPr lang="fr-FR"/>
           </a:p>
@@ -954,7 +953,7 @@
             </a:pPr>
             <a:fld id="{B3571AEC-2BC4-4B6C-B79E-00D12817ECD9}" type="datetime1">
               <a:rPr lang="fr-FR" smtClean="0"/>
-              <a:t>26/09/2022</a:t>
+              <a:t>27/09/2022</a:t>
             </a:fld>
             <a:endParaRPr lang="fr-FR"/>
           </a:p>
@@ -1496,7 +1495,7 @@
             </a:pPr>
             <a:fld id="{046FFCB7-D57F-4C8C-BA32-2BA73F4500C6}" type="datetime1">
               <a:rPr lang="fr-FR" smtClean="0"/>
-              <a:t>26/09/2022</a:t>
+              <a:t>27/09/2022</a:t>
             </a:fld>
             <a:endParaRPr lang="fr-FR"/>
           </a:p>
@@ -1788,7 +1787,7 @@
             </a:pPr>
             <a:fld id="{CA852A4D-1BFF-498F-B63C-A36E50EC025B}" type="datetime1">
               <a:rPr lang="fr-FR" smtClean="0"/>
-              <a:t>26/09/2022</a:t>
+              <a:t>27/09/2022</a:t>
             </a:fld>
             <a:endParaRPr lang="fr-FR"/>
           </a:p>
@@ -2360,15 +2359,15 @@
           <a:lstStyle/>
           <a:p>
             <a:r>
-              <a:rPr lang="fr-FR" altLang="fr-FR"/>
+              <a:rPr lang="fr-FR" altLang="fr-FR" dirty="0"/>
               <a:t>Extraits de cours</a:t>
             </a:r>
             <a:br>
-              <a:rPr lang="fr-FR" altLang="fr-FR"/>
+              <a:rPr lang="fr-FR" altLang="fr-FR" dirty="0"/>
             </a:br>
             <a:r>
-              <a:rPr lang="fr-FR" altLang="fr-FR"/>
-              <a:t>Json et CSV</a:t>
+              <a:rPr lang="fr-FR" altLang="fr-FR" dirty="0" err="1"/>
+              <a:t>Json</a:t>
             </a:r>
             <a:endParaRPr lang="fr-FR" dirty="0"/>
           </a:p>
@@ -3025,7 +3024,7 @@
           <a:p>
             <a:r>
               <a:rPr lang="fr-FR" dirty="0"/>
-              <a:t>Ecrire un contenu (dictionnaire, une liste de dictionnaires …)</a:t>
+              <a:t>Ecrire un contenu (dictionnaire, une liste de dictionnaires …) dans un fichier</a:t>
             </a:r>
           </a:p>
           <a:p>
@@ -3054,12 +3053,8 @@
               <a:buNone/>
             </a:pPr>
             <a:r>
-              <a:rPr lang="fr-FR"/>
-              <a:t>json</a:t>
-            </a:r>
-            <a:r>
               <a:rPr lang="fr-FR" dirty="0" err="1"/>
-              <a:t>.dump</a:t>
+              <a:t>json.dump</a:t>
             </a:r>
             <a:r>
               <a:rPr lang="fr-FR" dirty="0"/>
@@ -3080,132 +3075,6 @@
     <p:extLst>
       <p:ext uri="{BB962C8B-B14F-4D97-AF65-F5344CB8AC3E}">
         <p14:creationId xmlns:p14="http://schemas.microsoft.com/office/powerpoint/2010/main" val="2598033907"/>
-      </p:ext>
-    </p:extLst>
-  </p:cSld>
-  <p:clrMapOvr>
-    <a:masterClrMapping/>
-  </p:clrMapOvr>
-</p:sld>
-</file>
-
-<file path=ppt/slides/slide5.xml><?xml version="1.0" encoding="utf-8"?>
-<p:sld xmlns:a="http://schemas.openxmlformats.org/drawingml/2006/main" xmlns:r="http://schemas.openxmlformats.org/officeDocument/2006/relationships" xmlns:p="http://schemas.openxmlformats.org/presentationml/2006/main">
-  <p:cSld>
-    <p:spTree>
-      <p:nvGrpSpPr>
-        <p:cNvPr id="1" name=""/>
-        <p:cNvGrpSpPr/>
-        <p:nvPr/>
-      </p:nvGrpSpPr>
-      <p:grpSpPr>
-        <a:xfrm>
-          <a:off x="0" y="0"/>
-          <a:ext cx="0" cy="0"/>
-          <a:chOff x="0" y="0"/>
-          <a:chExt cx="0" cy="0"/>
-        </a:xfrm>
-      </p:grpSpPr>
-      <p:sp>
-        <p:nvSpPr>
-          <p:cNvPr id="2" name="Titre 1">
-            <a:extLst>
-              <a:ext uri="{FF2B5EF4-FFF2-40B4-BE49-F238E27FC236}">
-                <a16:creationId xmlns:a16="http://schemas.microsoft.com/office/drawing/2014/main" id="{15AD1BB0-05DB-482D-94C0-0295B70D836E}"/>
-              </a:ext>
-            </a:extLst>
-          </p:cNvPr>
-          <p:cNvSpPr>
-            <a:spLocks noGrp="1"/>
-          </p:cNvSpPr>
-          <p:nvPr>
-            <p:ph type="title"/>
-          </p:nvPr>
-        </p:nvSpPr>
-        <p:spPr/>
-        <p:txBody>
-          <a:bodyPr/>
-          <a:lstStyle/>
-          <a:p>
-            <a:r>
-              <a:rPr lang="fr-FR" dirty="0"/>
-              <a:t>Ecrire du </a:t>
-            </a:r>
-            <a:r>
-              <a:rPr lang="fr-FR" dirty="0" err="1"/>
-              <a:t>json</a:t>
-            </a:r>
-            <a:r>
-              <a:rPr lang="fr-FR" dirty="0"/>
-              <a:t> en python</a:t>
-            </a:r>
-          </a:p>
-        </p:txBody>
-      </p:sp>
-      <p:sp>
-        <p:nvSpPr>
-          <p:cNvPr id="3" name="Espace réservé du numéro de diapositive 2">
-            <a:extLst>
-              <a:ext uri="{FF2B5EF4-FFF2-40B4-BE49-F238E27FC236}">
-                <a16:creationId xmlns:a16="http://schemas.microsoft.com/office/drawing/2014/main" id="{44E9DA19-3961-44FC-BEBC-F82E7B8FF038}"/>
-              </a:ext>
-            </a:extLst>
-          </p:cNvPr>
-          <p:cNvSpPr>
-            <a:spLocks noGrp="1"/>
-          </p:cNvSpPr>
-          <p:nvPr>
-            <p:ph type="sldNum" sz="quarter" idx="12"/>
-          </p:nvPr>
-        </p:nvSpPr>
-        <p:spPr/>
-        <p:txBody>
-          <a:bodyPr/>
-          <a:lstStyle/>
-          <a:p>
-            <a:pPr>
-              <a:defRPr/>
-            </a:pPr>
-            <a:fld id="{D727A26F-F00B-4596-8258-FF21EF8271F6}" type="slidenum">
-              <a:rPr lang="fr-FR" smtClean="0"/>
-              <a:pPr>
-                <a:defRPr/>
-              </a:pPr>
-              <a:t>5</a:t>
-            </a:fld>
-            <a:endParaRPr lang="fr-FR" dirty="0"/>
-          </a:p>
-        </p:txBody>
-      </p:sp>
-      <p:sp>
-        <p:nvSpPr>
-          <p:cNvPr id="4" name="Espace réservé du contenu 3">
-            <a:extLst>
-              <a:ext uri="{FF2B5EF4-FFF2-40B4-BE49-F238E27FC236}">
-                <a16:creationId xmlns:a16="http://schemas.microsoft.com/office/drawing/2014/main" id="{AF432D53-8FBB-483A-80B5-86E38B5ED5EE}"/>
-              </a:ext>
-            </a:extLst>
-          </p:cNvPr>
-          <p:cNvSpPr>
-            <a:spLocks noGrp="1"/>
-          </p:cNvSpPr>
-          <p:nvPr>
-            <p:ph idx="1"/>
-          </p:nvPr>
-        </p:nvSpPr>
-        <p:spPr/>
-        <p:txBody>
-          <a:bodyPr/>
-          <a:lstStyle/>
-          <a:p>
-            <a:endParaRPr lang="fr-FR"/>
-          </a:p>
-        </p:txBody>
-      </p:sp>
-    </p:spTree>
-    <p:extLst>
-      <p:ext uri="{BB962C8B-B14F-4D97-AF65-F5344CB8AC3E}">
-        <p14:creationId xmlns:p14="http://schemas.microsoft.com/office/powerpoint/2010/main" val="773009967"/>
       </p:ext>
     </p:extLst>
   </p:cSld>
